--- a/slides.pptx
+++ b/slides.pptx
@@ -1,13 +1,16 @@
 
 <file path=ppt/presentation.xml><?xml version="1.0" encoding="utf-8"?>
-<p:presentation xmlns:a="http://schemas.openxmlformats.org/drawingml/2006/main" xmlns:r="http://schemas.openxmlformats.org/officeDocument/2006/relationships" xmlns:p="http://schemas.openxmlformats.org/presentationml/2006/main" saveSubsetFonts="1">
+<p:presentation xmlns:a="http://schemas.openxmlformats.org/drawingml/2006/main" xmlns:r="http://schemas.openxmlformats.org/officeDocument/2006/relationships" xmlns:p="http://schemas.openxmlformats.org/presentationml/2006/main" showSpecialPlsOnTitleSld="0" saveSubsetFonts="1">
   <p:sldMasterIdLst>
     <p:sldMasterId id="2147483708" r:id="rId1"/>
   </p:sldMasterIdLst>
+  <p:notesMasterIdLst>
+    <p:notesMasterId r:id="rId15"/>
+  </p:notesMasterIdLst>
   <p:sldIdLst>
     <p:sldId id="256" r:id="rId2"/>
     <p:sldId id="266" r:id="rId3"/>
-    <p:sldId id="257" r:id="rId4"/>
+    <p:sldId id="269" r:id="rId4"/>
     <p:sldId id="258" r:id="rId5"/>
     <p:sldId id="259" r:id="rId6"/>
     <p:sldId id="260" r:id="rId7"/>
@@ -134,6 +137,356 @@
 </p1510:revInfo>
 </file>
 
+<file path=ppt/notesMasters/notesMaster1.xml><?xml version="1.0" encoding="utf-8"?>
+<p:notesMaster xmlns:a="http://schemas.openxmlformats.org/drawingml/2006/main" xmlns:r="http://schemas.openxmlformats.org/officeDocument/2006/relationships" xmlns:p="http://schemas.openxmlformats.org/presentationml/2006/main">
+  <p:cSld>
+    <p:bg>
+      <p:bgRef idx="1001">
+        <a:schemeClr val="bg1"/>
+      </p:bgRef>
+    </p:bg>
+    <p:spTree>
+      <p:nvGrpSpPr>
+        <p:cNvPr id="1" name=""/>
+        <p:cNvGrpSpPr/>
+        <p:nvPr/>
+      </p:nvGrpSpPr>
+      <p:grpSpPr>
+        <a:xfrm>
+          <a:off x="0" y="0"/>
+          <a:ext cx="0" cy="0"/>
+          <a:chOff x="0" y="0"/>
+          <a:chExt cx="0" cy="0"/>
+        </a:xfrm>
+      </p:grpSpPr>
+      <p:sp>
+        <p:nvSpPr>
+          <p:cNvPr id="2" name="Header Placeholder 1"/>
+          <p:cNvSpPr>
+            <a:spLocks noGrp="1"/>
+          </p:cNvSpPr>
+          <p:nvPr>
+            <p:ph type="hdr" sz="quarter"/>
+          </p:nvPr>
+        </p:nvSpPr>
+        <p:spPr>
+          <a:xfrm>
+            <a:off x="0" y="0"/>
+            <a:ext cx="2971800" cy="458788"/>
+          </a:xfrm>
+          <a:prstGeom prst="rect">
+            <a:avLst/>
+          </a:prstGeom>
+        </p:spPr>
+        <p:txBody>
+          <a:bodyPr vert="horz" lIns="91440" tIns="45720" rIns="91440" bIns="45720" rtlCol="0"/>
+          <a:lstStyle>
+            <a:lvl1pPr algn="l">
+              <a:defRPr sz="1200"/>
+            </a:lvl1pPr>
+          </a:lstStyle>
+          <a:p>
+            <a:endParaRPr lang="en-PT"/>
+          </a:p>
+        </p:txBody>
+      </p:sp>
+      <p:sp>
+        <p:nvSpPr>
+          <p:cNvPr id="3" name="Date Placeholder 2"/>
+          <p:cNvSpPr>
+            <a:spLocks noGrp="1"/>
+          </p:cNvSpPr>
+          <p:nvPr>
+            <p:ph type="dt" idx="1"/>
+          </p:nvPr>
+        </p:nvSpPr>
+        <p:spPr>
+          <a:xfrm>
+            <a:off x="3884613" y="0"/>
+            <a:ext cx="2971800" cy="458788"/>
+          </a:xfrm>
+          <a:prstGeom prst="rect">
+            <a:avLst/>
+          </a:prstGeom>
+        </p:spPr>
+        <p:txBody>
+          <a:bodyPr vert="horz" lIns="91440" tIns="45720" rIns="91440" bIns="45720" rtlCol="0"/>
+          <a:lstStyle>
+            <a:lvl1pPr algn="r">
+              <a:defRPr sz="1200"/>
+            </a:lvl1pPr>
+          </a:lstStyle>
+          <a:p>
+            <a:fld id="{7ACE4753-15DE-0A42-ACA0-40E739C8B0AF}" type="datetimeFigureOut">
+              <a:rPr lang="en-PT" smtClean="0"/>
+              <a:t>12/06/2025</a:t>
+            </a:fld>
+            <a:endParaRPr lang="en-PT"/>
+          </a:p>
+        </p:txBody>
+      </p:sp>
+      <p:sp>
+        <p:nvSpPr>
+          <p:cNvPr id="4" name="Slide Image Placeholder 3"/>
+          <p:cNvSpPr>
+            <a:spLocks noGrp="1" noRot="1" noChangeAspect="1"/>
+          </p:cNvSpPr>
+          <p:nvPr>
+            <p:ph type="sldImg" idx="2"/>
+          </p:nvPr>
+        </p:nvSpPr>
+        <p:spPr>
+          <a:xfrm>
+            <a:off x="685800" y="1143000"/>
+            <a:ext cx="5486400" cy="3086100"/>
+          </a:xfrm>
+          <a:prstGeom prst="rect">
+            <a:avLst/>
+          </a:prstGeom>
+          <a:noFill/>
+          <a:ln w="12700">
+            <a:solidFill>
+              <a:prstClr val="black"/>
+            </a:solidFill>
+          </a:ln>
+        </p:spPr>
+        <p:txBody>
+          <a:bodyPr vert="horz" lIns="91440" tIns="45720" rIns="91440" bIns="45720" rtlCol="0" anchor="ctr"/>
+          <a:lstStyle/>
+          <a:p>
+            <a:endParaRPr lang="en-PT"/>
+          </a:p>
+        </p:txBody>
+      </p:sp>
+      <p:sp>
+        <p:nvSpPr>
+          <p:cNvPr id="5" name="Notes Placeholder 4"/>
+          <p:cNvSpPr>
+            <a:spLocks noGrp="1"/>
+          </p:cNvSpPr>
+          <p:nvPr>
+            <p:ph type="body" sz="quarter" idx="3"/>
+          </p:nvPr>
+        </p:nvSpPr>
+        <p:spPr>
+          <a:xfrm>
+            <a:off x="685800" y="4400550"/>
+            <a:ext cx="5486400" cy="3600450"/>
+          </a:xfrm>
+          <a:prstGeom prst="rect">
+            <a:avLst/>
+          </a:prstGeom>
+        </p:spPr>
+        <p:txBody>
+          <a:bodyPr vert="horz" lIns="91440" tIns="45720" rIns="91440" bIns="45720" rtlCol="0"/>
+          <a:lstStyle/>
+          <a:p>
+            <a:pPr lvl="0"/>
+            <a:r>
+              <a:rPr lang="en-GB"/>
+              <a:t>Click to edit Master text styles</a:t>
+            </a:r>
+          </a:p>
+          <a:p>
+            <a:pPr lvl="1"/>
+            <a:r>
+              <a:rPr lang="en-GB"/>
+              <a:t>Second level</a:t>
+            </a:r>
+          </a:p>
+          <a:p>
+            <a:pPr lvl="2"/>
+            <a:r>
+              <a:rPr lang="en-GB"/>
+              <a:t>Third level</a:t>
+            </a:r>
+          </a:p>
+          <a:p>
+            <a:pPr lvl="3"/>
+            <a:r>
+              <a:rPr lang="en-GB"/>
+              <a:t>Fourth level</a:t>
+            </a:r>
+          </a:p>
+          <a:p>
+            <a:pPr lvl="4"/>
+            <a:r>
+              <a:rPr lang="en-GB"/>
+              <a:t>Fifth level</a:t>
+            </a:r>
+            <a:endParaRPr lang="en-PT"/>
+          </a:p>
+        </p:txBody>
+      </p:sp>
+      <p:sp>
+        <p:nvSpPr>
+          <p:cNvPr id="6" name="Footer Placeholder 5"/>
+          <p:cNvSpPr>
+            <a:spLocks noGrp="1"/>
+          </p:cNvSpPr>
+          <p:nvPr>
+            <p:ph type="ftr" sz="quarter" idx="4"/>
+          </p:nvPr>
+        </p:nvSpPr>
+        <p:spPr>
+          <a:xfrm>
+            <a:off x="0" y="8685213"/>
+            <a:ext cx="2971800" cy="458787"/>
+          </a:xfrm>
+          <a:prstGeom prst="rect">
+            <a:avLst/>
+          </a:prstGeom>
+        </p:spPr>
+        <p:txBody>
+          <a:bodyPr vert="horz" lIns="91440" tIns="45720" rIns="91440" bIns="45720" rtlCol="0" anchor="b"/>
+          <a:lstStyle>
+            <a:lvl1pPr algn="l">
+              <a:defRPr sz="1200"/>
+            </a:lvl1pPr>
+          </a:lstStyle>
+          <a:p>
+            <a:endParaRPr lang="en-PT"/>
+          </a:p>
+        </p:txBody>
+      </p:sp>
+      <p:sp>
+        <p:nvSpPr>
+          <p:cNvPr id="7" name="Slide Number Placeholder 6"/>
+          <p:cNvSpPr>
+            <a:spLocks noGrp="1"/>
+          </p:cNvSpPr>
+          <p:nvPr>
+            <p:ph type="sldNum" sz="quarter" idx="5"/>
+          </p:nvPr>
+        </p:nvSpPr>
+        <p:spPr>
+          <a:xfrm>
+            <a:off x="3884613" y="8685213"/>
+            <a:ext cx="2971800" cy="458787"/>
+          </a:xfrm>
+          <a:prstGeom prst="rect">
+            <a:avLst/>
+          </a:prstGeom>
+        </p:spPr>
+        <p:txBody>
+          <a:bodyPr vert="horz" lIns="91440" tIns="45720" rIns="91440" bIns="45720" rtlCol="0" anchor="b"/>
+          <a:lstStyle>
+            <a:lvl1pPr algn="r">
+              <a:defRPr sz="1200"/>
+            </a:lvl1pPr>
+          </a:lstStyle>
+          <a:p>
+            <a:fld id="{32D7C904-1C4B-3E46-A27E-B231E9A9EFB2}" type="slidenum">
+              <a:rPr lang="en-PT" smtClean="0"/>
+              <a:t>‹#›</a:t>
+            </a:fld>
+            <a:endParaRPr lang="en-PT"/>
+          </a:p>
+        </p:txBody>
+      </p:sp>
+    </p:spTree>
+    <p:extLst>
+      <p:ext uri="{BB962C8B-B14F-4D97-AF65-F5344CB8AC3E}">
+        <p14:creationId xmlns:p14="http://schemas.microsoft.com/office/powerpoint/2010/main" val="2112231248"/>
+      </p:ext>
+    </p:extLst>
+  </p:cSld>
+  <p:clrMap bg1="lt1" tx1="dk1" bg2="lt2" tx2="dk2" accent1="accent1" accent2="accent2" accent3="accent3" accent4="accent4" accent5="accent5" accent6="accent6" hlink="hlink" folHlink="folHlink"/>
+  <p:notesStyle>
+    <a:lvl1pPr marL="0" algn="l" defTabSz="914400" rtl="0" eaLnBrk="1" latinLnBrk="0" hangingPunct="1">
+      <a:defRPr sz="1200" kern="1200">
+        <a:solidFill>
+          <a:schemeClr val="tx1"/>
+        </a:solidFill>
+        <a:latin typeface="+mn-lt"/>
+        <a:ea typeface="+mn-ea"/>
+        <a:cs typeface="+mn-cs"/>
+      </a:defRPr>
+    </a:lvl1pPr>
+    <a:lvl2pPr marL="457200" algn="l" defTabSz="914400" rtl="0" eaLnBrk="1" latinLnBrk="0" hangingPunct="1">
+      <a:defRPr sz="1200" kern="1200">
+        <a:solidFill>
+          <a:schemeClr val="tx1"/>
+        </a:solidFill>
+        <a:latin typeface="+mn-lt"/>
+        <a:ea typeface="+mn-ea"/>
+        <a:cs typeface="+mn-cs"/>
+      </a:defRPr>
+    </a:lvl2pPr>
+    <a:lvl3pPr marL="914400" algn="l" defTabSz="914400" rtl="0" eaLnBrk="1" latinLnBrk="0" hangingPunct="1">
+      <a:defRPr sz="1200" kern="1200">
+        <a:solidFill>
+          <a:schemeClr val="tx1"/>
+        </a:solidFill>
+        <a:latin typeface="+mn-lt"/>
+        <a:ea typeface="+mn-ea"/>
+        <a:cs typeface="+mn-cs"/>
+      </a:defRPr>
+    </a:lvl3pPr>
+    <a:lvl4pPr marL="1371600" algn="l" defTabSz="914400" rtl="0" eaLnBrk="1" latinLnBrk="0" hangingPunct="1">
+      <a:defRPr sz="1200" kern="1200">
+        <a:solidFill>
+          <a:schemeClr val="tx1"/>
+        </a:solidFill>
+        <a:latin typeface="+mn-lt"/>
+        <a:ea typeface="+mn-ea"/>
+        <a:cs typeface="+mn-cs"/>
+      </a:defRPr>
+    </a:lvl4pPr>
+    <a:lvl5pPr marL="1828800" algn="l" defTabSz="914400" rtl="0" eaLnBrk="1" latinLnBrk="0" hangingPunct="1">
+      <a:defRPr sz="1200" kern="1200">
+        <a:solidFill>
+          <a:schemeClr val="tx1"/>
+        </a:solidFill>
+        <a:latin typeface="+mn-lt"/>
+        <a:ea typeface="+mn-ea"/>
+        <a:cs typeface="+mn-cs"/>
+      </a:defRPr>
+    </a:lvl5pPr>
+    <a:lvl6pPr marL="2286000" algn="l" defTabSz="914400" rtl="0" eaLnBrk="1" latinLnBrk="0" hangingPunct="1">
+      <a:defRPr sz="1200" kern="1200">
+        <a:solidFill>
+          <a:schemeClr val="tx1"/>
+        </a:solidFill>
+        <a:latin typeface="+mn-lt"/>
+        <a:ea typeface="+mn-ea"/>
+        <a:cs typeface="+mn-cs"/>
+      </a:defRPr>
+    </a:lvl6pPr>
+    <a:lvl7pPr marL="2743200" algn="l" defTabSz="914400" rtl="0" eaLnBrk="1" latinLnBrk="0" hangingPunct="1">
+      <a:defRPr sz="1200" kern="1200">
+        <a:solidFill>
+          <a:schemeClr val="tx1"/>
+        </a:solidFill>
+        <a:latin typeface="+mn-lt"/>
+        <a:ea typeface="+mn-ea"/>
+        <a:cs typeface="+mn-cs"/>
+      </a:defRPr>
+    </a:lvl7pPr>
+    <a:lvl8pPr marL="3200400" algn="l" defTabSz="914400" rtl="0" eaLnBrk="1" latinLnBrk="0" hangingPunct="1">
+      <a:defRPr sz="1200" kern="1200">
+        <a:solidFill>
+          <a:schemeClr val="tx1"/>
+        </a:solidFill>
+        <a:latin typeface="+mn-lt"/>
+        <a:ea typeface="+mn-ea"/>
+        <a:cs typeface="+mn-cs"/>
+      </a:defRPr>
+    </a:lvl8pPr>
+    <a:lvl9pPr marL="3657600" algn="l" defTabSz="914400" rtl="0" eaLnBrk="1" latinLnBrk="0" hangingPunct="1">
+      <a:defRPr sz="1200" kern="1200">
+        <a:solidFill>
+          <a:schemeClr val="tx1"/>
+        </a:solidFill>
+        <a:latin typeface="+mn-lt"/>
+        <a:ea typeface="+mn-ea"/>
+        <a:cs typeface="+mn-cs"/>
+      </a:defRPr>
+    </a:lvl9pPr>
+  </p:notesStyle>
+</p:notesMaster>
+</file>
+
 <file path=ppt/slideLayouts/slideLayout1.xml><?xml version="1.0" encoding="utf-8"?>
 <p:sldLayout xmlns:a="http://schemas.openxmlformats.org/drawingml/2006/main" xmlns:r="http://schemas.openxmlformats.org/officeDocument/2006/relationships" xmlns:p="http://schemas.openxmlformats.org/presentationml/2006/main" type="title" preserve="1">
   <p:cSld name="Title Slide">
@@ -287,9 +640,9 @@
           <a:bodyPr/>
           <a:lstStyle/>
           <a:p>
-            <a:fld id="{846CE7D5-CF57-46EF-B807-FDD0502418D4}" type="datetimeFigureOut">
-              <a:rPr lang="en-GB" smtClean="0"/>
-              <a:t>07/06/2025</a:t>
+            <a:fld id="{907DA21B-8B59-8743-843D-DA927354AAC3}" type="datetime1">
+              <a:rPr lang="en-US" smtClean="0"/>
+              <a:t>6/12/25</a:t>
             </a:fld>
             <a:endParaRPr lang="en-GB"/>
           </a:p>
@@ -457,9 +810,9 @@
           <a:bodyPr/>
           <a:lstStyle/>
           <a:p>
-            <a:fld id="{846CE7D5-CF57-46EF-B807-FDD0502418D4}" type="datetimeFigureOut">
-              <a:rPr lang="en-GB" smtClean="0"/>
-              <a:t>07/06/2025</a:t>
+            <a:fld id="{7CBAF744-C0AC-D048-9B6B-5156902F9E48}" type="datetime1">
+              <a:rPr lang="en-US" smtClean="0"/>
+              <a:t>6/12/25</a:t>
             </a:fld>
             <a:endParaRPr lang="en-GB"/>
           </a:p>
@@ -637,9 +990,9 @@
           <a:bodyPr/>
           <a:lstStyle/>
           <a:p>
-            <a:fld id="{846CE7D5-CF57-46EF-B807-FDD0502418D4}" type="datetimeFigureOut">
-              <a:rPr lang="en-GB" smtClean="0"/>
-              <a:t>07/06/2025</a:t>
+            <a:fld id="{3F096D09-EBF3-0840-BB74-12C237ECEC5A}" type="datetime1">
+              <a:rPr lang="en-US" smtClean="0"/>
+              <a:t>6/12/25</a:t>
             </a:fld>
             <a:endParaRPr lang="en-GB"/>
           </a:p>
@@ -807,9 +1160,9 @@
           <a:bodyPr/>
           <a:lstStyle/>
           <a:p>
-            <a:fld id="{846CE7D5-CF57-46EF-B807-FDD0502418D4}" type="datetimeFigureOut">
-              <a:rPr lang="en-GB" smtClean="0"/>
-              <a:t>07/06/2025</a:t>
+            <a:fld id="{27D2FD0D-DDC2-D445-A209-A5ED2BEB004E}" type="datetime1">
+              <a:rPr lang="en-US" smtClean="0"/>
+              <a:t>6/12/25</a:t>
             </a:fld>
             <a:endParaRPr lang="en-GB"/>
           </a:p>
@@ -1067,9 +1420,9 @@
           <a:bodyPr/>
           <a:lstStyle/>
           <a:p>
-            <a:fld id="{846CE7D5-CF57-46EF-B807-FDD0502418D4}" type="datetimeFigureOut">
-              <a:rPr lang="en-GB" smtClean="0"/>
-              <a:t>07/06/2025</a:t>
+            <a:fld id="{0D7481AF-FB44-784D-A5B1-7819DAFFC48A}" type="datetime1">
+              <a:rPr lang="en-US" smtClean="0"/>
+              <a:t>6/12/25</a:t>
             </a:fld>
             <a:endParaRPr lang="en-GB"/>
           </a:p>
@@ -1299,9 +1652,9 @@
           <a:bodyPr/>
           <a:lstStyle/>
           <a:p>
-            <a:fld id="{846CE7D5-CF57-46EF-B807-FDD0502418D4}" type="datetimeFigureOut">
-              <a:rPr lang="en-GB" smtClean="0"/>
-              <a:t>07/06/2025</a:t>
+            <a:fld id="{CB421037-395A-7842-BD87-83CBB3F3DC43}" type="datetime1">
+              <a:rPr lang="en-US" smtClean="0"/>
+              <a:t>6/12/25</a:t>
             </a:fld>
             <a:endParaRPr lang="en-GB"/>
           </a:p>
@@ -1654,9 +2007,9 @@
           <a:bodyPr/>
           <a:lstStyle/>
           <a:p>
-            <a:fld id="{846CE7D5-CF57-46EF-B807-FDD0502418D4}" type="datetimeFigureOut">
-              <a:rPr lang="en-GB" smtClean="0"/>
-              <a:t>07/06/2025</a:t>
+            <a:fld id="{244DB811-2B78-034F-8927-626308000A0B}" type="datetime1">
+              <a:rPr lang="en-US" smtClean="0"/>
+              <a:t>6/12/25</a:t>
             </a:fld>
             <a:endParaRPr lang="en-GB"/>
           </a:p>
@@ -1795,9 +2148,9 @@
           <a:bodyPr/>
           <a:lstStyle/>
           <a:p>
-            <a:fld id="{846CE7D5-CF57-46EF-B807-FDD0502418D4}" type="datetimeFigureOut">
-              <a:rPr lang="en-GB" smtClean="0"/>
-              <a:t>07/06/2025</a:t>
+            <a:fld id="{3811A4F6-532D-2141-887F-64873251E15D}" type="datetime1">
+              <a:rPr lang="en-US" smtClean="0"/>
+              <a:t>6/12/25</a:t>
             </a:fld>
             <a:endParaRPr lang="en-GB"/>
           </a:p>
@@ -1890,9 +2243,9 @@
           <a:bodyPr/>
           <a:lstStyle/>
           <a:p>
-            <a:fld id="{846CE7D5-CF57-46EF-B807-FDD0502418D4}" type="datetimeFigureOut">
-              <a:rPr lang="en-GB" smtClean="0"/>
-              <a:t>07/06/2025</a:t>
+            <a:fld id="{3137D462-CAA0-0544-A689-9E6B371492F2}" type="datetime1">
+              <a:rPr lang="en-US" smtClean="0"/>
+              <a:t>6/12/25</a:t>
             </a:fld>
             <a:endParaRPr lang="en-GB"/>
           </a:p>
@@ -2247,9 +2600,9 @@
           <a:bodyPr/>
           <a:lstStyle/>
           <a:p>
-            <a:fld id="{846CE7D5-CF57-46EF-B807-FDD0502418D4}" type="datetimeFigureOut">
-              <a:rPr lang="en-GB" smtClean="0"/>
-              <a:t>07/06/2025</a:t>
+            <a:fld id="{84EAB51C-9D92-9F49-8CF8-D46E6E1926E5}" type="datetime1">
+              <a:rPr lang="en-US" smtClean="0"/>
+              <a:t>6/12/25</a:t>
             </a:fld>
             <a:endParaRPr lang="en-GB"/>
           </a:p>
@@ -2565,9 +2918,9 @@
             </a:lvl1pPr>
           </a:lstStyle>
           <a:p>
-            <a:fld id="{846CE7D5-CF57-46EF-B807-FDD0502418D4}" type="datetimeFigureOut">
-              <a:rPr lang="en-GB" smtClean="0"/>
-              <a:t>07/06/2025</a:t>
+            <a:fld id="{E478F02C-9385-DC46-A346-3BB8A679F1AE}" type="datetime1">
+              <a:rPr lang="en-US" smtClean="0"/>
+              <a:t>6/12/25</a:t>
             </a:fld>
             <a:endParaRPr lang="en-GB"/>
           </a:p>
@@ -2810,9 +3163,9 @@
             </a:lvl1pPr>
           </a:lstStyle>
           <a:p>
-            <a:fld id="{846CE7D5-CF57-46EF-B807-FDD0502418D4}" type="datetimeFigureOut">
-              <a:rPr lang="en-GB" smtClean="0"/>
-              <a:t>07/06/2025</a:t>
+            <a:fld id="{1E0AD4A7-6941-AA4A-B875-0FF93387DBF9}" type="datetime1">
+              <a:rPr lang="en-US" smtClean="0"/>
+              <a:t>6/12/25</a:t>
             </a:fld>
             <a:endParaRPr lang="en-GB"/>
           </a:p>
@@ -2922,6 +3275,7 @@
     <p:sldLayoutId id="2147483718" r:id="rId10"/>
     <p:sldLayoutId id="2147483719" r:id="rId11"/>
   </p:sldLayoutIdLst>
+  <p:hf hdr="0" ftr="0" dt="0"/>
   <p:txStyles>
     <p:titleStyle>
       <a:lvl1pPr algn="ctr" defTabSz="914400" rtl="0" eaLnBrk="1" latinLnBrk="0" hangingPunct="1">
@@ -3758,6 +4112,35 @@
           </a:p>
         </p:txBody>
       </p:sp>
+      <p:sp>
+        <p:nvSpPr>
+          <p:cNvPr id="4" name="Slide Number Placeholder 3">
+            <a:extLst>
+              <a:ext uri="{FF2B5EF4-FFF2-40B4-BE49-F238E27FC236}">
+                <a16:creationId xmlns:a16="http://schemas.microsoft.com/office/drawing/2014/main" id="{57AA75D4-02E2-1B78-B3EB-11ADF6814A2D}"/>
+              </a:ext>
+            </a:extLst>
+          </p:cNvPr>
+          <p:cNvSpPr>
+            <a:spLocks noGrp="1"/>
+          </p:cNvSpPr>
+          <p:nvPr>
+            <p:ph type="sldNum" sz="quarter" idx="12"/>
+          </p:nvPr>
+        </p:nvSpPr>
+        <p:spPr/>
+        <p:txBody>
+          <a:bodyPr/>
+          <a:lstStyle/>
+          <a:p>
+            <a:fld id="{330EA680-D336-4FF7-8B7A-9848BB0A1C32}" type="slidenum">
+              <a:rPr lang="en-GB" smtClean="0"/>
+              <a:t>10</a:t>
+            </a:fld>
+            <a:endParaRPr lang="en-GB"/>
+          </a:p>
+        </p:txBody>
+      </p:sp>
     </p:spTree>
     <p:extLst>
       <p:ext uri="{BB962C8B-B14F-4D97-AF65-F5344CB8AC3E}">
@@ -3843,6 +4226,35 @@
           <a:lstStyle/>
           <a:p>
             <a:endParaRPr lang="pt-PT" noProof="0" dirty="0"/>
+          </a:p>
+        </p:txBody>
+      </p:sp>
+      <p:sp>
+        <p:nvSpPr>
+          <p:cNvPr id="4" name="Slide Number Placeholder 3">
+            <a:extLst>
+              <a:ext uri="{FF2B5EF4-FFF2-40B4-BE49-F238E27FC236}">
+                <a16:creationId xmlns:a16="http://schemas.microsoft.com/office/drawing/2014/main" id="{B4804EDE-ECCB-3394-194E-71C6BC23CE78}"/>
+              </a:ext>
+            </a:extLst>
+          </p:cNvPr>
+          <p:cNvSpPr>
+            <a:spLocks noGrp="1"/>
+          </p:cNvSpPr>
+          <p:nvPr>
+            <p:ph type="sldNum" sz="quarter" idx="12"/>
+          </p:nvPr>
+        </p:nvSpPr>
+        <p:spPr/>
+        <p:txBody>
+          <a:bodyPr/>
+          <a:lstStyle/>
+          <a:p>
+            <a:fld id="{330EA680-D336-4FF7-8B7A-9848BB0A1C32}" type="slidenum">
+              <a:rPr lang="en-GB" smtClean="0"/>
+              <a:t>11</a:t>
+            </a:fld>
+            <a:endParaRPr lang="en-GB"/>
           </a:p>
         </p:txBody>
       </p:sp>
@@ -4049,6 +4461,35 @@
           </a:prstGeom>
         </p:spPr>
       </p:pic>
+      <p:sp>
+        <p:nvSpPr>
+          <p:cNvPr id="8" name="Slide Number Placeholder 7">
+            <a:extLst>
+              <a:ext uri="{FF2B5EF4-FFF2-40B4-BE49-F238E27FC236}">
+                <a16:creationId xmlns:a16="http://schemas.microsoft.com/office/drawing/2014/main" id="{7A4BBFEC-0320-2D0C-FAAA-70BC6379AFDD}"/>
+              </a:ext>
+            </a:extLst>
+          </p:cNvPr>
+          <p:cNvSpPr>
+            <a:spLocks noGrp="1"/>
+          </p:cNvSpPr>
+          <p:nvPr>
+            <p:ph type="sldNum" sz="quarter" idx="12"/>
+          </p:nvPr>
+        </p:nvSpPr>
+        <p:spPr/>
+        <p:txBody>
+          <a:bodyPr/>
+          <a:lstStyle/>
+          <a:p>
+            <a:fld id="{330EA680-D336-4FF7-8B7A-9848BB0A1C32}" type="slidenum">
+              <a:rPr lang="en-GB" smtClean="0"/>
+              <a:t>12</a:t>
+            </a:fld>
+            <a:endParaRPr lang="en-GB"/>
+          </a:p>
+        </p:txBody>
+      </p:sp>
     </p:spTree>
     <p:extLst>
       <p:ext uri="{BB962C8B-B14F-4D97-AF65-F5344CB8AC3E}">
@@ -4162,6 +4603,35 @@
           </a:prstGeom>
         </p:spPr>
       </p:pic>
+      <p:sp>
+        <p:nvSpPr>
+          <p:cNvPr id="5" name="Slide Number Placeholder 4">
+            <a:extLst>
+              <a:ext uri="{FF2B5EF4-FFF2-40B4-BE49-F238E27FC236}">
+                <a16:creationId xmlns:a16="http://schemas.microsoft.com/office/drawing/2014/main" id="{E2D60BD6-B634-C8F8-5A98-7FB15DFA028A}"/>
+              </a:ext>
+            </a:extLst>
+          </p:cNvPr>
+          <p:cNvSpPr>
+            <a:spLocks noGrp="1"/>
+          </p:cNvSpPr>
+          <p:nvPr>
+            <p:ph type="sldNum" sz="quarter" idx="12"/>
+          </p:nvPr>
+        </p:nvSpPr>
+        <p:spPr/>
+        <p:txBody>
+          <a:bodyPr/>
+          <a:lstStyle/>
+          <a:p>
+            <a:fld id="{330EA680-D336-4FF7-8B7A-9848BB0A1C32}" type="slidenum">
+              <a:rPr lang="en-GB" smtClean="0"/>
+              <a:t>13</a:t>
+            </a:fld>
+            <a:endParaRPr lang="en-GB"/>
+          </a:p>
+        </p:txBody>
+      </p:sp>
     </p:spTree>
     <p:extLst>
       <p:ext uri="{BB962C8B-B14F-4D97-AF65-F5344CB8AC3E}">
@@ -4305,6 +4775,35 @@
           </a:prstGeom>
         </p:spPr>
       </p:pic>
+      <p:sp>
+        <p:nvSpPr>
+          <p:cNvPr id="6" name="Slide Number Placeholder 5">
+            <a:extLst>
+              <a:ext uri="{FF2B5EF4-FFF2-40B4-BE49-F238E27FC236}">
+                <a16:creationId xmlns:a16="http://schemas.microsoft.com/office/drawing/2014/main" id="{657212DA-6D5D-18AD-3EC5-EE336D44685B}"/>
+              </a:ext>
+            </a:extLst>
+          </p:cNvPr>
+          <p:cNvSpPr>
+            <a:spLocks noGrp="1"/>
+          </p:cNvSpPr>
+          <p:nvPr>
+            <p:ph type="sldNum" sz="quarter" idx="12"/>
+          </p:nvPr>
+        </p:nvSpPr>
+        <p:spPr/>
+        <p:txBody>
+          <a:bodyPr/>
+          <a:lstStyle/>
+          <a:p>
+            <a:fld id="{330EA680-D336-4FF7-8B7A-9848BB0A1C32}" type="slidenum">
+              <a:rPr lang="en-GB" smtClean="0"/>
+              <a:t>2</a:t>
+            </a:fld>
+            <a:endParaRPr lang="en-GB"/>
+          </a:p>
+        </p:txBody>
+      </p:sp>
     </p:spTree>
     <p:extLst>
       <p:ext uri="{BB962C8B-B14F-4D97-AF65-F5344CB8AC3E}">
@@ -4340,7 +4839,7 @@
           <p:cNvPr id="2" name="Title 1">
             <a:extLst>
               <a:ext uri="{FF2B5EF4-FFF2-40B4-BE49-F238E27FC236}">
-                <a16:creationId xmlns:a16="http://schemas.microsoft.com/office/drawing/2014/main" id="{F40942CB-69EC-EB9C-826F-C9E29730ACCB}"/>
+                <a16:creationId xmlns:a16="http://schemas.microsoft.com/office/drawing/2014/main" id="{8D3D7D2B-0671-57B6-E9E4-7B5A4911AB6A}"/>
               </a:ext>
             </a:extLst>
           </p:cNvPr>
@@ -4357,22 +4856,9 @@
           <a:lstStyle/>
           <a:p>
             <a:r>
-              <a:rPr lang="pt-PT" noProof="0" dirty="0"/>
-              <a:t>A. </a:t>
-            </a:r>
-            <a:r>
-              <a:rPr lang="pt-PT" noProof="0" dirty="0" err="1"/>
-              <a:t>Bubble</a:t>
-            </a:r>
-            <a:r>
-              <a:rPr lang="pt-PT" noProof="0" dirty="0"/>
-              <a:t> </a:t>
-            </a:r>
-            <a:r>
-              <a:rPr lang="pt-PT" noProof="0" dirty="0" err="1"/>
-              <a:t>Sort</a:t>
-            </a:r>
-            <a:endParaRPr lang="pt-PT" noProof="0" dirty="0"/>
+              <a:rPr lang="en-PT" dirty="0"/>
+              <a:t>Bubble Sort</a:t>
+            </a:r>
           </a:p>
         </p:txBody>
       </p:sp>
@@ -4381,7 +4867,7 @@
           <p:cNvPr id="3" name="Content Placeholder 2">
             <a:extLst>
               <a:ext uri="{FF2B5EF4-FFF2-40B4-BE49-F238E27FC236}">
-                <a16:creationId xmlns:a16="http://schemas.microsoft.com/office/drawing/2014/main" id="{BFCBD8CC-0933-5EDE-7ED3-6547FF80774C}"/>
+                <a16:creationId xmlns:a16="http://schemas.microsoft.com/office/drawing/2014/main" id="{78738E04-5283-F3FE-3A9F-677CDC6C1856}"/>
               </a:ext>
             </a:extLst>
           </p:cNvPr>
@@ -4392,97 +4878,276 @@
             <p:ph idx="1"/>
           </p:nvPr>
         </p:nvSpPr>
-        <p:spPr/>
-        <p:txBody>
-          <a:bodyPr/>
-          <a:lstStyle/>
-          <a:p>
-            <a:pPr marL="0" indent="0">
-              <a:buNone/>
-            </a:pPr>
-            <a:r>
-              <a:rPr lang="pt-PT" noProof="0" dirty="0" err="1"/>
-              <a:t>Tlvz</a:t>
-            </a:r>
-            <a:r>
-              <a:rPr lang="pt-PT" noProof="0" dirty="0"/>
-              <a:t> para cada </a:t>
-            </a:r>
-            <a:r>
-              <a:rPr lang="pt-PT" noProof="0" dirty="0" err="1"/>
-              <a:t>alg</a:t>
-            </a:r>
-            <a:r>
-              <a:rPr lang="pt-PT" noProof="0" dirty="0"/>
-              <a:t>:</a:t>
-            </a:r>
-          </a:p>
-          <a:p>
-            <a:pPr lvl="1"/>
-            <a:r>
-              <a:rPr lang="pt-PT" noProof="0" dirty="0"/>
-              <a:t>Como funciona por tópicos a explicar em texto </a:t>
-            </a:r>
-            <a:r>
-              <a:rPr lang="pt-PT" noProof="0" dirty="0" err="1"/>
-              <a:t>tp</a:t>
-            </a:r>
-            <a:endParaRPr lang="pt-PT" noProof="0" dirty="0"/>
-          </a:p>
-          <a:p>
-            <a:pPr lvl="1"/>
-            <a:r>
-              <a:rPr lang="pt-PT" strike="sngStrike" dirty="0" err="1"/>
-              <a:t>Pseudocogisos</a:t>
-            </a:r>
-            <a:r>
-              <a:rPr lang="pt-PT" dirty="0"/>
+        <p:spPr>
+          <a:xfrm>
+            <a:off x="719836" y="2574544"/>
+            <a:ext cx="7729728" cy="3101983"/>
+          </a:xfrm>
+        </p:spPr>
+        <p:txBody>
+          <a:bodyPr>
+            <a:normAutofit/>
+          </a:bodyPr>
+          <a:lstStyle/>
+          <a:p>
+            <a:r>
+              <a:rPr lang="en-GB" dirty="0"/>
+              <a:t>Algoritmo de </a:t>
+            </a:r>
+            <a:r>
+              <a:rPr lang="en-GB" dirty="0" err="1"/>
+              <a:t>ordenação</a:t>
+            </a:r>
+            <a:r>
+              <a:rPr lang="en-GB" dirty="0"/>
               <a:t> </a:t>
             </a:r>
             <a:r>
-              <a:rPr lang="pt-PT" dirty="0" err="1"/>
-              <a:t>tlvz</a:t>
-            </a:r>
-            <a:r>
-              <a:rPr lang="pt-PT" dirty="0"/>
-              <a:t> são demasiado grandes e técnicos para apresentação</a:t>
-            </a:r>
-          </a:p>
-          <a:p>
-            <a:pPr lvl="1"/>
-            <a:r>
-              <a:rPr lang="pt-PT" noProof="0" dirty="0" err="1"/>
-              <a:t>Justificacao</a:t>
-            </a:r>
-            <a:r>
-              <a:rPr lang="pt-PT" noProof="0" dirty="0"/>
-              <a:t> da complexidade?</a:t>
-            </a:r>
-          </a:p>
-          <a:p>
-            <a:pPr lvl="1"/>
-            <a:r>
-              <a:rPr lang="pt-PT" dirty="0"/>
-              <a:t>Pior melhor e médio caso</a:t>
-            </a:r>
-          </a:p>
-          <a:p>
-            <a:pPr lvl="1"/>
-            <a:r>
-              <a:rPr lang="pt-PT" noProof="0" dirty="0" err="1"/>
-              <a:t>Gif</a:t>
-            </a:r>
-            <a:r>
-              <a:rPr lang="pt-PT" noProof="0" dirty="0"/>
-              <a:t> a funcionar</a:t>
-            </a:r>
-          </a:p>
-        </p:txBody>
-      </p:sp>
+              <a:rPr lang="en-GB" dirty="0" err="1"/>
+              <a:t>por</a:t>
+            </a:r>
+            <a:r>
+              <a:rPr lang="en-GB" dirty="0"/>
+              <a:t> </a:t>
+            </a:r>
+            <a:r>
+              <a:rPr lang="en-GB" dirty="0" err="1"/>
+              <a:t>comparação</a:t>
+            </a:r>
+            <a:endParaRPr lang="en-GB" dirty="0"/>
+          </a:p>
+          <a:p>
+            <a:endParaRPr lang="en-GB" dirty="0"/>
+          </a:p>
+          <a:p>
+            <a:r>
+              <a:rPr lang="en-GB" dirty="0" err="1"/>
+              <a:t>Percorre</a:t>
+            </a:r>
+            <a:r>
+              <a:rPr lang="en-GB" dirty="0"/>
+              <a:t> </a:t>
+            </a:r>
+            <a:r>
+              <a:rPr lang="en-GB" dirty="0" err="1"/>
+              <a:t>repetidamente</a:t>
+            </a:r>
+            <a:r>
+              <a:rPr lang="en-GB" dirty="0"/>
+              <a:t> a </a:t>
+            </a:r>
+            <a:r>
+              <a:rPr lang="en-GB" dirty="0" err="1"/>
+              <a:t>lista</a:t>
+            </a:r>
+            <a:endParaRPr lang="en-GB" dirty="0"/>
+          </a:p>
+          <a:p>
+            <a:r>
+              <a:rPr lang="en-GB" dirty="0" err="1"/>
+              <a:t>Compara</a:t>
+            </a:r>
+            <a:r>
+              <a:rPr lang="en-GB" dirty="0"/>
+              <a:t> </a:t>
+            </a:r>
+            <a:r>
+              <a:rPr lang="en-GB" dirty="0" err="1"/>
+              <a:t>elementos</a:t>
+            </a:r>
+            <a:r>
+              <a:rPr lang="en-GB" dirty="0"/>
+              <a:t> </a:t>
+            </a:r>
+            <a:r>
+              <a:rPr lang="en-GB" dirty="0" err="1"/>
+              <a:t>adjacentes</a:t>
+            </a:r>
+            <a:r>
+              <a:rPr lang="en-GB" dirty="0"/>
+              <a:t> e </a:t>
+            </a:r>
+            <a:r>
+              <a:rPr lang="en-GB" dirty="0" err="1"/>
+              <a:t>troca</a:t>
+            </a:r>
+            <a:r>
+              <a:rPr lang="en-GB" dirty="0"/>
+              <a:t> se </a:t>
+            </a:r>
+            <a:r>
+              <a:rPr lang="en-GB" dirty="0" err="1"/>
+              <a:t>estiverem</a:t>
+            </a:r>
+            <a:r>
+              <a:rPr lang="en-GB" dirty="0"/>
+              <a:t> fora de </a:t>
+            </a:r>
+            <a:r>
+              <a:rPr lang="en-GB" dirty="0" err="1"/>
+              <a:t>ordem</a:t>
+            </a:r>
+            <a:endParaRPr lang="en-GB" dirty="0"/>
+          </a:p>
+          <a:p>
+            <a:r>
+              <a:rPr lang="en-GB" dirty="0" err="1"/>
+              <a:t>Repete</a:t>
+            </a:r>
+            <a:r>
+              <a:rPr lang="en-GB" dirty="0"/>
+              <a:t> o </a:t>
+            </a:r>
+            <a:r>
+              <a:rPr lang="en-GB" dirty="0" err="1"/>
+              <a:t>processo</a:t>
+            </a:r>
+            <a:r>
+              <a:rPr lang="en-GB" dirty="0"/>
+              <a:t> </a:t>
+            </a:r>
+            <a:r>
+              <a:rPr lang="en-GB" dirty="0" err="1"/>
+              <a:t>até</a:t>
+            </a:r>
+            <a:r>
+              <a:rPr lang="en-GB" dirty="0"/>
+              <a:t> a </a:t>
+            </a:r>
+            <a:r>
+              <a:rPr lang="en-GB" dirty="0" err="1"/>
+              <a:t>lista</a:t>
+            </a:r>
+            <a:r>
+              <a:rPr lang="en-GB" dirty="0"/>
+              <a:t> </a:t>
+            </a:r>
+            <a:r>
+              <a:rPr lang="en-GB" dirty="0" err="1"/>
+              <a:t>estar</a:t>
+            </a:r>
+            <a:r>
+              <a:rPr lang="en-GB" dirty="0"/>
+              <a:t> </a:t>
+            </a:r>
+            <a:r>
+              <a:rPr lang="en-GB" dirty="0" err="1"/>
+              <a:t>ordenada</a:t>
+            </a:r>
+            <a:endParaRPr lang="en-GB" dirty="0"/>
+          </a:p>
+        </p:txBody>
+      </p:sp>
+      <p:sp>
+        <p:nvSpPr>
+          <p:cNvPr id="4" name="Slide Number Placeholder 3">
+            <a:extLst>
+              <a:ext uri="{FF2B5EF4-FFF2-40B4-BE49-F238E27FC236}">
+                <a16:creationId xmlns:a16="http://schemas.microsoft.com/office/drawing/2014/main" id="{0F6A1026-086C-06D7-7E2D-0980C84593DE}"/>
+              </a:ext>
+            </a:extLst>
+          </p:cNvPr>
+          <p:cNvSpPr>
+            <a:spLocks noGrp="1"/>
+          </p:cNvSpPr>
+          <p:nvPr>
+            <p:ph type="sldNum" sz="quarter" idx="12"/>
+          </p:nvPr>
+        </p:nvSpPr>
+        <p:spPr/>
+        <p:txBody>
+          <a:bodyPr/>
+          <a:lstStyle/>
+          <a:p>
+            <a:fld id="{330EA680-D336-4FF7-8B7A-9848BB0A1C32}" type="slidenum">
+              <a:rPr lang="en-GB" smtClean="0"/>
+              <a:t>3</a:t>
+            </a:fld>
+            <a:endParaRPr lang="en-GB"/>
+          </a:p>
+        </p:txBody>
+      </p:sp>
+      <p:pic>
+        <p:nvPicPr>
+          <p:cNvPr id="1026" name="Picture 2">
+            <a:extLst>
+              <a:ext uri="{FF2B5EF4-FFF2-40B4-BE49-F238E27FC236}">
+                <a16:creationId xmlns:a16="http://schemas.microsoft.com/office/drawing/2014/main" id="{C0B1F913-06C9-64EB-C496-944B8E030A79}"/>
+              </a:ext>
+            </a:extLst>
+          </p:cNvPr>
+          <p:cNvPicPr>
+            <a:picLocks noChangeAspect="1" noChangeArrowheads="1"/>
+          </p:cNvPicPr>
+          <p:nvPr/>
+        </p:nvPicPr>
+        <p:blipFill>
+          <a:blip r:embed="rId2">
+            <a:extLst>
+              <a:ext uri="{28A0092B-C50C-407E-A947-70E740481C1C}">
+                <a14:useLocalDpi xmlns:a14="http://schemas.microsoft.com/office/drawing/2010/main" val="0"/>
+              </a:ext>
+            </a:extLst>
+          </a:blip>
+          <a:srcRect/>
+          <a:stretch>
+            <a:fillRect/>
+          </a:stretch>
+        </p:blipFill>
+        <p:spPr bwMode="auto">
+          <a:xfrm>
+            <a:off x="8201914" y="2153412"/>
+            <a:ext cx="3517900" cy="3263900"/>
+          </a:xfrm>
+          <a:prstGeom prst="rect">
+            <a:avLst/>
+          </a:prstGeom>
+          <a:noFill/>
+          <a:extLst>
+            <a:ext uri="{909E8E84-426E-40DD-AFC4-6F175D3DCCD1}">
+              <a14:hiddenFill xmlns:a14="http://schemas.microsoft.com/office/drawing/2010/main">
+                <a:solidFill>
+                  <a:srgbClr val="FFFFFF"/>
+                </a:solidFill>
+              </a14:hiddenFill>
+            </a:ext>
+          </a:extLst>
+        </p:spPr>
+      </p:pic>
+      <p:pic>
+        <p:nvPicPr>
+          <p:cNvPr id="5" name="Picture 4">
+            <a:extLst>
+              <a:ext uri="{FF2B5EF4-FFF2-40B4-BE49-F238E27FC236}">
+                <a16:creationId xmlns:a16="http://schemas.microsoft.com/office/drawing/2014/main" id="{15777422-3BBB-3FFB-251A-787FD7B93BE9}"/>
+              </a:ext>
+            </a:extLst>
+          </p:cNvPr>
+          <p:cNvPicPr>
+            <a:picLocks noChangeAspect="1"/>
+          </p:cNvPicPr>
+          <p:nvPr/>
+        </p:nvPicPr>
+        <p:blipFill>
+          <a:blip r:embed="rId3"/>
+          <a:stretch>
+            <a:fillRect/>
+          </a:stretch>
+        </p:blipFill>
+        <p:spPr>
+          <a:xfrm>
+            <a:off x="1222248" y="4738853"/>
+            <a:ext cx="4662111" cy="1356917"/>
+          </a:xfrm>
+          <a:prstGeom prst="rect">
+            <a:avLst/>
+          </a:prstGeom>
+        </p:spPr>
+      </p:pic>
     </p:spTree>
     <p:extLst>
       <p:ext uri="{BB962C8B-B14F-4D97-AF65-F5344CB8AC3E}">
-        <p14:creationId xmlns:p14="http://schemas.microsoft.com/office/powerpoint/2010/main" val="1773318749"/>
+        <p14:creationId xmlns:p14="http://schemas.microsoft.com/office/powerpoint/2010/main" val="24704269"/>
       </p:ext>
     </p:extLst>
   </p:cSld>
@@ -4531,10 +5196,6 @@
           <a:lstStyle/>
           <a:p>
             <a:r>
-              <a:rPr lang="pt-PT" noProof="0" dirty="0"/>
-              <a:t>B. </a:t>
-            </a:r>
-            <a:r>
               <a:rPr lang="pt-PT" noProof="0" dirty="0" err="1"/>
               <a:t>Selection</a:t>
             </a:r>
@@ -4575,6 +5236,82 @@
           </a:p>
         </p:txBody>
       </p:sp>
+      <p:sp>
+        <p:nvSpPr>
+          <p:cNvPr id="4" name="Slide Number Placeholder 3">
+            <a:extLst>
+              <a:ext uri="{FF2B5EF4-FFF2-40B4-BE49-F238E27FC236}">
+                <a16:creationId xmlns:a16="http://schemas.microsoft.com/office/drawing/2014/main" id="{32F33B7D-5BCC-37A4-5098-923D1B4184AE}"/>
+              </a:ext>
+            </a:extLst>
+          </p:cNvPr>
+          <p:cNvSpPr>
+            <a:spLocks noGrp="1"/>
+          </p:cNvSpPr>
+          <p:nvPr>
+            <p:ph type="sldNum" sz="quarter" idx="12"/>
+          </p:nvPr>
+        </p:nvSpPr>
+        <p:spPr/>
+        <p:txBody>
+          <a:bodyPr/>
+          <a:lstStyle/>
+          <a:p>
+            <a:fld id="{330EA680-D336-4FF7-8B7A-9848BB0A1C32}" type="slidenum">
+              <a:rPr lang="en-GB" smtClean="0"/>
+              <a:t>4</a:t>
+            </a:fld>
+            <a:endParaRPr lang="en-GB"/>
+          </a:p>
+        </p:txBody>
+      </p:sp>
+      <p:pic>
+        <p:nvPicPr>
+          <p:cNvPr id="2050" name="Picture 2">
+            <a:extLst>
+              <a:ext uri="{FF2B5EF4-FFF2-40B4-BE49-F238E27FC236}">
+                <a16:creationId xmlns:a16="http://schemas.microsoft.com/office/drawing/2014/main" id="{2138E210-2DCF-E693-1C55-DECB3242BF96}"/>
+              </a:ext>
+            </a:extLst>
+          </p:cNvPr>
+          <p:cNvPicPr>
+            <a:picLocks noChangeAspect="1" noChangeArrowheads="1"/>
+          </p:cNvPicPr>
+          <p:nvPr/>
+        </p:nvPicPr>
+        <p:blipFill>
+          <a:blip r:embed="rId2">
+            <a:extLst>
+              <a:ext uri="{28A0092B-C50C-407E-A947-70E740481C1C}">
+                <a14:useLocalDpi xmlns:a14="http://schemas.microsoft.com/office/drawing/2010/main" val="0"/>
+              </a:ext>
+            </a:extLst>
+          </a:blip>
+          <a:srcRect/>
+          <a:stretch>
+            <a:fillRect/>
+          </a:stretch>
+        </p:blipFill>
+        <p:spPr bwMode="auto">
+          <a:xfrm>
+            <a:off x="7956042" y="2476127"/>
+            <a:ext cx="3517900" cy="3263900"/>
+          </a:xfrm>
+          <a:prstGeom prst="rect">
+            <a:avLst/>
+          </a:prstGeom>
+          <a:noFill/>
+          <a:extLst>
+            <a:ext uri="{909E8E84-426E-40DD-AFC4-6F175D3DCCD1}">
+              <a14:hiddenFill xmlns:a14="http://schemas.microsoft.com/office/drawing/2010/main">
+                <a:solidFill>
+                  <a:srgbClr val="FFFFFF"/>
+                </a:solidFill>
+              </a14:hiddenFill>
+            </a:ext>
+          </a:extLst>
+        </p:spPr>
+      </p:pic>
     </p:spTree>
     <p:extLst>
       <p:ext uri="{BB962C8B-B14F-4D97-AF65-F5344CB8AC3E}">
@@ -4671,6 +5408,35 @@
           </a:p>
         </p:txBody>
       </p:sp>
+      <p:sp>
+        <p:nvSpPr>
+          <p:cNvPr id="4" name="Slide Number Placeholder 3">
+            <a:extLst>
+              <a:ext uri="{FF2B5EF4-FFF2-40B4-BE49-F238E27FC236}">
+                <a16:creationId xmlns:a16="http://schemas.microsoft.com/office/drawing/2014/main" id="{C0E15F2D-C331-2053-0288-8417629A00AC}"/>
+              </a:ext>
+            </a:extLst>
+          </p:cNvPr>
+          <p:cNvSpPr>
+            <a:spLocks noGrp="1"/>
+          </p:cNvSpPr>
+          <p:nvPr>
+            <p:ph type="sldNum" sz="quarter" idx="12"/>
+          </p:nvPr>
+        </p:nvSpPr>
+        <p:spPr/>
+        <p:txBody>
+          <a:bodyPr/>
+          <a:lstStyle/>
+          <a:p>
+            <a:fld id="{330EA680-D336-4FF7-8B7A-9848BB0A1C32}" type="slidenum">
+              <a:rPr lang="en-GB" smtClean="0"/>
+              <a:t>5</a:t>
+            </a:fld>
+            <a:endParaRPr lang="en-GB"/>
+          </a:p>
+        </p:txBody>
+      </p:sp>
     </p:spTree>
     <p:extLst>
       <p:ext uri="{BB962C8B-B14F-4D97-AF65-F5344CB8AC3E}">
@@ -4767,6 +5533,35 @@
           </a:p>
         </p:txBody>
       </p:sp>
+      <p:sp>
+        <p:nvSpPr>
+          <p:cNvPr id="4" name="Slide Number Placeholder 3">
+            <a:extLst>
+              <a:ext uri="{FF2B5EF4-FFF2-40B4-BE49-F238E27FC236}">
+                <a16:creationId xmlns:a16="http://schemas.microsoft.com/office/drawing/2014/main" id="{910EA9CD-12C6-3129-350A-DFC7E13F8F55}"/>
+              </a:ext>
+            </a:extLst>
+          </p:cNvPr>
+          <p:cNvSpPr>
+            <a:spLocks noGrp="1"/>
+          </p:cNvSpPr>
+          <p:nvPr>
+            <p:ph type="sldNum" sz="quarter" idx="12"/>
+          </p:nvPr>
+        </p:nvSpPr>
+        <p:spPr/>
+        <p:txBody>
+          <a:bodyPr/>
+          <a:lstStyle/>
+          <a:p>
+            <a:fld id="{330EA680-D336-4FF7-8B7A-9848BB0A1C32}" type="slidenum">
+              <a:rPr lang="en-GB" smtClean="0"/>
+              <a:t>6</a:t>
+            </a:fld>
+            <a:endParaRPr lang="en-GB"/>
+          </a:p>
+        </p:txBody>
+      </p:sp>
     </p:spTree>
     <p:extLst>
       <p:ext uri="{BB962C8B-B14F-4D97-AF65-F5344CB8AC3E}">
@@ -4863,6 +5658,35 @@
           </a:p>
         </p:txBody>
       </p:sp>
+      <p:sp>
+        <p:nvSpPr>
+          <p:cNvPr id="4" name="Slide Number Placeholder 3">
+            <a:extLst>
+              <a:ext uri="{FF2B5EF4-FFF2-40B4-BE49-F238E27FC236}">
+                <a16:creationId xmlns:a16="http://schemas.microsoft.com/office/drawing/2014/main" id="{97643CA1-B671-1806-66C0-075BD6C73575}"/>
+              </a:ext>
+            </a:extLst>
+          </p:cNvPr>
+          <p:cNvSpPr>
+            <a:spLocks noGrp="1"/>
+          </p:cNvSpPr>
+          <p:nvPr>
+            <p:ph type="sldNum" sz="quarter" idx="12"/>
+          </p:nvPr>
+        </p:nvSpPr>
+        <p:spPr/>
+        <p:txBody>
+          <a:bodyPr/>
+          <a:lstStyle/>
+          <a:p>
+            <a:fld id="{330EA680-D336-4FF7-8B7A-9848BB0A1C32}" type="slidenum">
+              <a:rPr lang="en-GB" smtClean="0"/>
+              <a:t>7</a:t>
+            </a:fld>
+            <a:endParaRPr lang="en-GB"/>
+          </a:p>
+        </p:txBody>
+      </p:sp>
     </p:spTree>
     <p:extLst>
       <p:ext uri="{BB962C8B-B14F-4D97-AF65-F5344CB8AC3E}">
@@ -4959,6 +5783,35 @@
           </a:p>
         </p:txBody>
       </p:sp>
+      <p:sp>
+        <p:nvSpPr>
+          <p:cNvPr id="4" name="Slide Number Placeholder 3">
+            <a:extLst>
+              <a:ext uri="{FF2B5EF4-FFF2-40B4-BE49-F238E27FC236}">
+                <a16:creationId xmlns:a16="http://schemas.microsoft.com/office/drawing/2014/main" id="{6B7342FC-CDFF-48BA-FCE6-7A7A4E0BBF16}"/>
+              </a:ext>
+            </a:extLst>
+          </p:cNvPr>
+          <p:cNvSpPr>
+            <a:spLocks noGrp="1"/>
+          </p:cNvSpPr>
+          <p:nvPr>
+            <p:ph type="sldNum" sz="quarter" idx="12"/>
+          </p:nvPr>
+        </p:nvSpPr>
+        <p:spPr/>
+        <p:txBody>
+          <a:bodyPr/>
+          <a:lstStyle/>
+          <a:p>
+            <a:fld id="{330EA680-D336-4FF7-8B7A-9848BB0A1C32}" type="slidenum">
+              <a:rPr lang="en-GB" smtClean="0"/>
+              <a:t>8</a:t>
+            </a:fld>
+            <a:endParaRPr lang="en-GB"/>
+          </a:p>
+        </p:txBody>
+      </p:sp>
     </p:spTree>
     <p:extLst>
       <p:ext uri="{BB962C8B-B14F-4D97-AF65-F5344CB8AC3E}">
@@ -5052,6 +5905,35 @@
           <a:lstStyle/>
           <a:p>
             <a:endParaRPr lang="pt-PT" noProof="0" dirty="0"/>
+          </a:p>
+        </p:txBody>
+      </p:sp>
+      <p:sp>
+        <p:nvSpPr>
+          <p:cNvPr id="4" name="Slide Number Placeholder 3">
+            <a:extLst>
+              <a:ext uri="{FF2B5EF4-FFF2-40B4-BE49-F238E27FC236}">
+                <a16:creationId xmlns:a16="http://schemas.microsoft.com/office/drawing/2014/main" id="{AC619CB5-1F3F-AD56-240C-CF2AD9883357}"/>
+              </a:ext>
+            </a:extLst>
+          </p:cNvPr>
+          <p:cNvSpPr>
+            <a:spLocks noGrp="1"/>
+          </p:cNvSpPr>
+          <p:nvPr>
+            <p:ph type="sldNum" sz="quarter" idx="12"/>
+          </p:nvPr>
+        </p:nvSpPr>
+        <p:spPr/>
+        <p:txBody>
+          <a:bodyPr/>
+          <a:lstStyle/>
+          <a:p>
+            <a:fld id="{330EA680-D336-4FF7-8B7A-9848BB0A1C32}" type="slidenum">
+              <a:rPr lang="en-GB" smtClean="0"/>
+              <a:t>9</a:t>
+            </a:fld>
+            <a:endParaRPr lang="en-GB"/>
           </a:p>
         </p:txBody>
       </p:sp>
@@ -5326,4 +6208,319 @@
     </a:ext>
   </a:extLst>
 </a:theme>
+</file>
+
+<file path=ppt/theme/theme2.xml><?xml version="1.0" encoding="utf-8"?>
+<a:theme xmlns:a="http://schemas.openxmlformats.org/drawingml/2006/main" name="Office Theme">
+  <a:themeElements>
+    <a:clrScheme name="Office">
+      <a:dk1>
+        <a:sysClr val="windowText" lastClr="000000"/>
+      </a:dk1>
+      <a:lt1>
+        <a:sysClr val="window" lastClr="FFFFFF"/>
+      </a:lt1>
+      <a:dk2>
+        <a:srgbClr val="0E2841"/>
+      </a:dk2>
+      <a:lt2>
+        <a:srgbClr val="E8E8E8"/>
+      </a:lt2>
+      <a:accent1>
+        <a:srgbClr val="156082"/>
+      </a:accent1>
+      <a:accent2>
+        <a:srgbClr val="E97132"/>
+      </a:accent2>
+      <a:accent3>
+        <a:srgbClr val="196B24"/>
+      </a:accent3>
+      <a:accent4>
+        <a:srgbClr val="0F9ED5"/>
+      </a:accent4>
+      <a:accent5>
+        <a:srgbClr val="A02B93"/>
+      </a:accent5>
+      <a:accent6>
+        <a:srgbClr val="4EA72E"/>
+      </a:accent6>
+      <a:hlink>
+        <a:srgbClr val="467886"/>
+      </a:hlink>
+      <a:folHlink>
+        <a:srgbClr val="96607D"/>
+      </a:folHlink>
+    </a:clrScheme>
+    <a:fontScheme name="Office">
+      <a:majorFont>
+        <a:latin typeface="Aptos Display" panose="02110004020202020204"/>
+        <a:ea typeface=""/>
+        <a:cs typeface=""/>
+        <a:font script="Jpan" typeface="游ゴシック Light"/>
+        <a:font script="Hang" typeface="맑은 고딕"/>
+        <a:font script="Hans" typeface="等线 Light"/>
+        <a:font script="Hant" typeface="新細明體"/>
+        <a:font script="Arab" typeface="Times New Roman"/>
+        <a:font script="Hebr" typeface="Times New Roman"/>
+        <a:font script="Thai" typeface="Angsana New"/>
+        <a:font script="Ethi" typeface="Nyala"/>
+        <a:font script="Beng" typeface="Vrinda"/>
+        <a:font script="Gujr" typeface="Shruti"/>
+        <a:font script="Khmr" typeface="MoolBoran"/>
+        <a:font script="Knda" typeface="Tunga"/>
+        <a:font script="Guru" typeface="Raavi"/>
+        <a:font script="Cans" typeface="Euphemia"/>
+        <a:font script="Cher" typeface="Plantagenet Cherokee"/>
+        <a:font script="Yiii" typeface="Microsoft Yi Baiti"/>
+        <a:font script="Tibt" typeface="Microsoft Himalaya"/>
+        <a:font script="Thaa" typeface="MV Boli"/>
+        <a:font script="Deva" typeface="Mangal"/>
+        <a:font script="Telu" typeface="Gautami"/>
+        <a:font script="Taml" typeface="Latha"/>
+        <a:font script="Syrc" typeface="Estrangelo Edessa"/>
+        <a:font script="Orya" typeface="Kalinga"/>
+        <a:font script="Mlym" typeface="Kartika"/>
+        <a:font script="Laoo" typeface="DokChampa"/>
+        <a:font script="Sinh" typeface="Iskoola Pota"/>
+        <a:font script="Mong" typeface="Mongolian Baiti"/>
+        <a:font script="Viet" typeface="Times New Roman"/>
+        <a:font script="Uigh" typeface="Microsoft Uighur"/>
+        <a:font script="Geor" typeface="Sylfaen"/>
+        <a:font script="Armn" typeface="Arial"/>
+        <a:font script="Bugi" typeface="Leelawadee UI"/>
+        <a:font script="Bopo" typeface="Microsoft JhengHei"/>
+        <a:font script="Java" typeface="Javanese Text"/>
+        <a:font script="Lisu" typeface="Segoe UI"/>
+        <a:font script="Mymr" typeface="Myanmar Text"/>
+        <a:font script="Nkoo" typeface="Ebrima"/>
+        <a:font script="Olck" typeface="Nirmala UI"/>
+        <a:font script="Osma" typeface="Ebrima"/>
+        <a:font script="Phag" typeface="Phagspa"/>
+        <a:font script="Syrn" typeface="Estrangelo Edessa"/>
+        <a:font script="Syrj" typeface="Estrangelo Edessa"/>
+        <a:font script="Syre" typeface="Estrangelo Edessa"/>
+        <a:font script="Sora" typeface="Nirmala UI"/>
+        <a:font script="Tale" typeface="Microsoft Tai Le"/>
+        <a:font script="Talu" typeface="Microsoft New Tai Lue"/>
+        <a:font script="Tfng" typeface="Ebrima"/>
+      </a:majorFont>
+      <a:minorFont>
+        <a:latin typeface="Aptos" panose="02110004020202020204"/>
+        <a:ea typeface=""/>
+        <a:cs typeface=""/>
+        <a:font script="Jpan" typeface="游ゴシック"/>
+        <a:font script="Hang" typeface="맑은 고딕"/>
+        <a:font script="Hans" typeface="等线"/>
+        <a:font script="Hant" typeface="新細明體"/>
+        <a:font script="Arab" typeface="Arial"/>
+        <a:font script="Hebr" typeface="Arial"/>
+        <a:font script="Thai" typeface="Cordia New"/>
+        <a:font script="Ethi" typeface="Nyala"/>
+        <a:font script="Beng" typeface="Vrinda"/>
+        <a:font script="Gujr" typeface="Shruti"/>
+        <a:font script="Khmr" typeface="DaunPenh"/>
+        <a:font script="Knda" typeface="Tunga"/>
+        <a:font script="Guru" typeface="Raavi"/>
+        <a:font script="Cans" typeface="Euphemia"/>
+        <a:font script="Cher" typeface="Plantagenet Cherokee"/>
+        <a:font script="Yiii" typeface="Microsoft Yi Baiti"/>
+        <a:font script="Tibt" typeface="Microsoft Himalaya"/>
+        <a:font script="Thaa" typeface="MV Boli"/>
+        <a:font script="Deva" typeface="Mangal"/>
+        <a:font script="Telu" typeface="Gautami"/>
+        <a:font script="Taml" typeface="Latha"/>
+        <a:font script="Syrc" typeface="Estrangelo Edessa"/>
+        <a:font script="Orya" typeface="Kalinga"/>
+        <a:font script="Mlym" typeface="Kartika"/>
+        <a:font script="Laoo" typeface="DokChampa"/>
+        <a:font script="Sinh" typeface="Iskoola Pota"/>
+        <a:font script="Mong" typeface="Mongolian Baiti"/>
+        <a:font script="Viet" typeface="Arial"/>
+        <a:font script="Uigh" typeface="Microsoft Uighur"/>
+        <a:font script="Geor" typeface="Sylfaen"/>
+        <a:font script="Armn" typeface="Arial"/>
+        <a:font script="Bugi" typeface="Leelawadee UI"/>
+        <a:font script="Bopo" typeface="Microsoft JhengHei"/>
+        <a:font script="Java" typeface="Javanese Text"/>
+        <a:font script="Lisu" typeface="Segoe UI"/>
+        <a:font script="Mymr" typeface="Myanmar Text"/>
+        <a:font script="Nkoo" typeface="Ebrima"/>
+        <a:font script="Olck" typeface="Nirmala UI"/>
+        <a:font script="Osma" typeface="Ebrima"/>
+        <a:font script="Phag" typeface="Phagspa"/>
+        <a:font script="Syrn" typeface="Estrangelo Edessa"/>
+        <a:font script="Syrj" typeface="Estrangelo Edessa"/>
+        <a:font script="Syre" typeface="Estrangelo Edessa"/>
+        <a:font script="Sora" typeface="Nirmala UI"/>
+        <a:font script="Tale" typeface="Microsoft Tai Le"/>
+        <a:font script="Talu" typeface="Microsoft New Tai Lue"/>
+        <a:font script="Tfng" typeface="Ebrima"/>
+      </a:minorFont>
+    </a:fontScheme>
+    <a:fmtScheme name="Office">
+      <a:fillStyleLst>
+        <a:solidFill>
+          <a:schemeClr val="phClr"/>
+        </a:solidFill>
+        <a:gradFill rotWithShape="1">
+          <a:gsLst>
+            <a:gs pos="0">
+              <a:schemeClr val="phClr">
+                <a:lumMod val="110000"/>
+                <a:satMod val="105000"/>
+                <a:tint val="67000"/>
+              </a:schemeClr>
+            </a:gs>
+            <a:gs pos="50000">
+              <a:schemeClr val="phClr">
+                <a:lumMod val="105000"/>
+                <a:satMod val="103000"/>
+                <a:tint val="73000"/>
+              </a:schemeClr>
+            </a:gs>
+            <a:gs pos="100000">
+              <a:schemeClr val="phClr">
+                <a:lumMod val="105000"/>
+                <a:satMod val="109000"/>
+                <a:tint val="81000"/>
+              </a:schemeClr>
+            </a:gs>
+          </a:gsLst>
+          <a:lin ang="5400000" scaled="0"/>
+        </a:gradFill>
+        <a:gradFill rotWithShape="1">
+          <a:gsLst>
+            <a:gs pos="0">
+              <a:schemeClr val="phClr">
+                <a:satMod val="103000"/>
+                <a:lumMod val="102000"/>
+                <a:tint val="94000"/>
+              </a:schemeClr>
+            </a:gs>
+            <a:gs pos="50000">
+              <a:schemeClr val="phClr">
+                <a:satMod val="110000"/>
+                <a:lumMod val="100000"/>
+                <a:shade val="100000"/>
+              </a:schemeClr>
+            </a:gs>
+            <a:gs pos="100000">
+              <a:schemeClr val="phClr">
+                <a:lumMod val="99000"/>
+                <a:satMod val="120000"/>
+                <a:shade val="78000"/>
+              </a:schemeClr>
+            </a:gs>
+          </a:gsLst>
+          <a:lin ang="5400000" scaled="0"/>
+        </a:gradFill>
+      </a:fillStyleLst>
+      <a:lnStyleLst>
+        <a:ln w="12700" cap="flat" cmpd="sng" algn="ctr">
+          <a:solidFill>
+            <a:schemeClr val="phClr"/>
+          </a:solidFill>
+          <a:prstDash val="solid"/>
+          <a:miter lim="800000"/>
+        </a:ln>
+        <a:ln w="19050" cap="flat" cmpd="sng" algn="ctr">
+          <a:solidFill>
+            <a:schemeClr val="phClr"/>
+          </a:solidFill>
+          <a:prstDash val="solid"/>
+          <a:miter lim="800000"/>
+        </a:ln>
+        <a:ln w="25400" cap="flat" cmpd="sng" algn="ctr">
+          <a:solidFill>
+            <a:schemeClr val="phClr"/>
+          </a:solidFill>
+          <a:prstDash val="solid"/>
+          <a:miter lim="800000"/>
+        </a:ln>
+      </a:lnStyleLst>
+      <a:effectStyleLst>
+        <a:effectStyle>
+          <a:effectLst/>
+        </a:effectStyle>
+        <a:effectStyle>
+          <a:effectLst/>
+        </a:effectStyle>
+        <a:effectStyle>
+          <a:effectLst>
+            <a:outerShdw blurRad="57150" dist="19050" dir="5400000" algn="ctr" rotWithShape="0">
+              <a:srgbClr val="000000">
+                <a:alpha val="63000"/>
+              </a:srgbClr>
+            </a:outerShdw>
+          </a:effectLst>
+        </a:effectStyle>
+      </a:effectStyleLst>
+      <a:bgFillStyleLst>
+        <a:solidFill>
+          <a:schemeClr val="phClr"/>
+        </a:solidFill>
+        <a:solidFill>
+          <a:schemeClr val="phClr">
+            <a:tint val="95000"/>
+            <a:satMod val="170000"/>
+          </a:schemeClr>
+        </a:solidFill>
+        <a:gradFill rotWithShape="1">
+          <a:gsLst>
+            <a:gs pos="0">
+              <a:schemeClr val="phClr">
+                <a:tint val="93000"/>
+                <a:satMod val="150000"/>
+                <a:shade val="98000"/>
+                <a:lumMod val="102000"/>
+              </a:schemeClr>
+            </a:gs>
+            <a:gs pos="50000">
+              <a:schemeClr val="phClr">
+                <a:tint val="98000"/>
+                <a:satMod val="130000"/>
+                <a:shade val="90000"/>
+                <a:lumMod val="103000"/>
+              </a:schemeClr>
+            </a:gs>
+            <a:gs pos="100000">
+              <a:schemeClr val="phClr">
+                <a:shade val="63000"/>
+                <a:satMod val="120000"/>
+              </a:schemeClr>
+            </a:gs>
+          </a:gsLst>
+          <a:lin ang="5400000" scaled="0"/>
+        </a:gradFill>
+      </a:bgFillStyleLst>
+    </a:fmtScheme>
+  </a:themeElements>
+  <a:objectDefaults>
+    <a:lnDef>
+      <a:spPr/>
+      <a:bodyPr/>
+      <a:lstStyle/>
+      <a:style>
+        <a:lnRef idx="2">
+          <a:schemeClr val="accent1"/>
+        </a:lnRef>
+        <a:fillRef idx="0">
+          <a:schemeClr val="accent1"/>
+        </a:fillRef>
+        <a:effectRef idx="1">
+          <a:schemeClr val="accent1"/>
+        </a:effectRef>
+        <a:fontRef idx="minor">
+          <a:schemeClr val="tx1"/>
+        </a:fontRef>
+      </a:style>
+    </a:lnDef>
+  </a:objectDefaults>
+  <a:extraClrSchemeLst/>
+  <a:extLst>
+    <a:ext uri="{05A4C25C-085E-4340-85A3-A5531E510DB2}">
+      <thm15:themeFamily xmlns:thm15="http://schemas.microsoft.com/office/thememl/2012/main" name="Office Theme" id="{2E142A2C-CD16-42D6-873A-C26D2A0506FA}" vid="{1BDDFF52-6CD6-40A5-AB3C-68EB2F1E4D0A}"/>
+    </a:ext>
+  </a:extLst>
+</a:theme>
 </file>